--- a/webinar/demos/markdown/markdown-features.pptx
+++ b/webinar/demos/markdown/markdown-features.pptx
@@ -5,7 +5,7 @@
     <p:sldMasterId id="2147483648" r:id="rId1"/>
   </p:sldMasterIdLst>
   <p:notesMasterIdLst>
-    <p:NotesMasterId r:id="rId17"/>
+    <p:NotesMasterId r:id="rId18"/>
   </p:notesMasterIdLst>
   <p:sldIdLst>
     <p:sldId id="256" r:id="rId2"/>
@@ -23,6 +23,7 @@
     <p:sldId id="268" r:id="rId14"/>
     <p:sldId id="269" r:id="rId15"/>
     <p:sldId id="270" r:id="rId16"/>
+    <p:sldId id="271" r:id="rId17"/>
   </p:sldIdLst>
   <p:sldSz cx="9144000" cy="6858000" type="screen4x3"/>
   <p:notesSz cx="6858000" cy="9144000"/>
@@ -677,7 +678,7 @@
           <a:p>
             <a:fld id="{18BDFEC3-8487-43E8-A154-7C12CBC1FFF2}" type="slidenum">
               <a:rPr lang="en-US"/>
-              <a:t>14</a:t>
+              <a:t>15</a:t>
             </a:fld>
             <a:endParaRPr lang="en-US"/>
           </a:p>
@@ -4191,66 +4192,351 @@
             </a:pPr>
             <a:r>
               <a:rPr/>
-              <a:t>Columns</a:t>
-            </a:r>
-          </a:p>
-        </p:txBody>
-      </p:sp>
-      <p:sp>
-        <p:nvSpPr>
-          <p:cNvPr id="3" name="Content Placeholder 2"/>
-          <p:cNvSpPr>
-            <a:spLocks noGrp="1"/>
-          </p:cNvSpPr>
-          <p:nvPr>
-            <p:ph sz="half" idx="1"/>
-          </p:nvPr>
-        </p:nvSpPr>
-        <p:spPr/>
-        <p:txBody>
-          <a:bodyPr/>
-          <a:lstStyle/>
-          <a:p>
-            <a:pPr lvl="0" marL="0" indent="0">
+              <a:t>Tables</a:t>
+            </a:r>
+          </a:p>
+        </p:txBody>
+      </p:sp>
+      <p:graphicFrame>
+        <p:nvGraphicFramePr>
+          <p:cNvPr id="6" name="Content Placeholder 5"/>
+          <p:cNvGraphicFramePr>
+            <a:graphicFrameLocks noGrp="1"/>
+          </p:cNvGraphicFramePr>
+          <p:nvPr>
+            <p:ph idx="1"/>
+          </p:nvPr>
+        </p:nvGraphicFramePr>
+        <p:xfrm>
+          <a:off x="457200" y="1600200"/>
+          <a:ext cx="8229600" cy="4013200"/>
+        </p:xfrm>
+        <a:graphic>
+          <a:graphicData uri="http://schemas.openxmlformats.org/drawingml/2006/table">
+            <a:tbl>
+              <a:tblPr firstRow="1" bandRow="1">
+                <a:tableStyleId>{5C22544A-7EE6-4342-B048-85BDC9FD1C3A}</a:tableStyleId>
+              </a:tblPr>
+              <a:tblGrid>
+                <a:gridCol w="2057400"/>
+                <a:gridCol w="2057400"/>
+                <a:gridCol w="2057400"/>
+                <a:gridCol w="2057400"/>
+              </a:tblGrid>
+              <a:tr h="0">
+                <a:tc>
+                  <a:txBody>
+                    <a:bodyPr/>
+                    <a:lstStyle/>
+                    <a:p>
+                      <a:pPr lvl="0" marL="0" indent="0" algn="r">
+                        <a:buNone/>
+                      </a:pPr>
+                      <a:r>
+                        <a:rPr/>
+                        <a:t>manufacturer</a:t>
+                      </a:r>
+                    </a:p>
+                  </a:txBody>
+                  <a:tcPr/>
+                </a:tc>
+                <a:tc>
+                  <a:txBody>
+                    <a:bodyPr/>
+                    <a:lstStyle/>
+                    <a:p>
+                      <a:pPr lvl="0" marL="0" indent="0" algn="l">
+                        <a:buNone/>
+                      </a:pPr>
+                      <a:r>
+                        <a:rPr/>
+                        <a:t>displ</a:t>
+                      </a:r>
+                    </a:p>
+                  </a:txBody>
+                  <a:tcPr/>
+                </a:tc>
+                <a:tc>
+                  <a:txBody>
+                    <a:bodyPr/>
+                    <a:lstStyle/>
+                    <a:p>
+                      <a:pPr lvl="0" marL="0" indent="0" algn="l">
+                        <a:buNone/>
+                      </a:pPr>
+                      <a:r>
+                        <a:rPr/>
+                        <a:t>hwy</a:t>
+                      </a:r>
+                    </a:p>
+                  </a:txBody>
+                  <a:tcPr/>
+                </a:tc>
+                <a:tc>
+                  <a:txBody>
+                    <a:bodyPr/>
+                    <a:lstStyle/>
+                    <a:p>
+                      <a:pPr lvl="0" marL="0" indent="0" algn="ctr">
+                        <a:buNone/>
+                      </a:pPr>
+                      <a:r>
+                        <a:rPr/>
+                        <a:t>class</a:t>
+                      </a:r>
+                    </a:p>
+                  </a:txBody>
+                  <a:tcPr/>
+                </a:tc>
+              </a:tr>
+              <a:tr h="0">
+                <a:tc>
+                  <a:txBody>
+                    <a:bodyPr/>
+                    <a:lstStyle/>
+                    <a:p>
+                      <a:pPr lvl="0" marL="0" indent="0" algn="r">
+                        <a:buNone/>
+                      </a:pPr>
+                      <a:r>
+                        <a:rPr/>
+                        <a:t>audi</a:t>
+                      </a:r>
+                    </a:p>
+                  </a:txBody>
+                </a:tc>
+                <a:tc>
+                  <a:txBody>
+                    <a:bodyPr/>
+                    <a:lstStyle/>
+                    <a:p>
+                      <a:pPr lvl="0" marL="0" indent="0" algn="l">
+                        <a:buNone/>
+                      </a:pPr>
+                      <a:r>
+                        <a:rPr/>
+                        <a:t>1.8</a:t>
+                      </a:r>
+                    </a:p>
+                  </a:txBody>
+                </a:tc>
+                <a:tc>
+                  <a:txBody>
+                    <a:bodyPr/>
+                    <a:lstStyle/>
+                    <a:p>
+                      <a:pPr lvl="0" marL="0" indent="0" algn="l">
+                        <a:buNone/>
+                      </a:pPr>
+                      <a:r>
+                        <a:rPr/>
+                        <a:t>29</a:t>
+                      </a:r>
+                    </a:p>
+                  </a:txBody>
+                </a:tc>
+                <a:tc>
+                  <a:txBody>
+                    <a:bodyPr/>
+                    <a:lstStyle/>
+                    <a:p>
+                      <a:pPr lvl="0" marL="0" indent="0" algn="ctr">
+                        <a:buNone/>
+                      </a:pPr>
+                      <a:r>
+                        <a:rPr/>
+                        <a:t>compact</a:t>
+                      </a:r>
+                    </a:p>
+                  </a:txBody>
+                </a:tc>
+              </a:tr>
+              <a:tr h="0">
+                <a:tc>
+                  <a:txBody>
+                    <a:bodyPr/>
+                    <a:lstStyle/>
+                    <a:p>
+                      <a:pPr lvl="0" marL="0" indent="0" algn="r">
+                        <a:buNone/>
+                      </a:pPr>
+                      <a:r>
+                        <a:rPr/>
+                        <a:t>chevrolet</a:t>
+                      </a:r>
+                    </a:p>
+                  </a:txBody>
+                </a:tc>
+                <a:tc>
+                  <a:txBody>
+                    <a:bodyPr/>
+                    <a:lstStyle/>
+                    <a:p>
+                      <a:pPr lvl="0" marL="0" indent="0" algn="l">
+                        <a:buNone/>
+                      </a:pPr>
+                      <a:r>
+                        <a:rPr/>
+                        <a:t>5.3</a:t>
+                      </a:r>
+                    </a:p>
+                  </a:txBody>
+                </a:tc>
+                <a:tc>
+                  <a:txBody>
+                    <a:bodyPr/>
+                    <a:lstStyle/>
+                    <a:p>
+                      <a:pPr lvl="0" marL="0" indent="0" algn="l">
+                        <a:buNone/>
+                      </a:pPr>
+                      <a:r>
+                        <a:rPr/>
+                        <a:t>20</a:t>
+                      </a:r>
+                    </a:p>
+                  </a:txBody>
+                </a:tc>
+                <a:tc>
+                  <a:txBody>
+                    <a:bodyPr/>
+                    <a:lstStyle/>
+                    <a:p>
+                      <a:pPr lvl="0" marL="0" indent="0" algn="ctr">
+                        <a:buNone/>
+                      </a:pPr>
+                      <a:r>
+                        <a:rPr/>
+                        <a:t>suv</a:t>
+                      </a:r>
+                    </a:p>
+                  </a:txBody>
+                </a:tc>
+              </a:tr>
+              <a:tr h="0">
+                <a:tc>
+                  <a:txBody>
+                    <a:bodyPr/>
+                    <a:lstStyle/>
+                    <a:p>
+                      <a:pPr lvl="0" marL="0" indent="0" algn="r">
+                        <a:buNone/>
+                      </a:pPr>
+                      <a:r>
+                        <a:rPr/>
+                        <a:t>dodge</a:t>
+                      </a:r>
+                    </a:p>
+                  </a:txBody>
+                </a:tc>
+                <a:tc>
+                  <a:txBody>
+                    <a:bodyPr/>
+                    <a:lstStyle/>
+                    <a:p>
+                      <a:pPr lvl="0" marL="0" indent="0" algn="l">
+                        <a:buNone/>
+                      </a:pPr>
+                      <a:r>
+                        <a:rPr/>
+                        <a:t>2.4</a:t>
+                      </a:r>
+                    </a:p>
+                  </a:txBody>
+                </a:tc>
+                <a:tc>
+                  <a:txBody>
+                    <a:bodyPr/>
+                    <a:lstStyle/>
+                    <a:p>
+                      <a:pPr lvl="0" marL="0" indent="0" algn="l">
+                        <a:buNone/>
+                      </a:pPr>
+                      <a:r>
+                        <a:rPr/>
+                        <a:t>24</a:t>
+                      </a:r>
+                    </a:p>
+                  </a:txBody>
+                </a:tc>
+                <a:tc>
+                  <a:txBody>
+                    <a:bodyPr/>
+                    <a:lstStyle/>
+                    <a:p>
+                      <a:pPr lvl="0" marL="0" indent="0" algn="ctr">
+                        <a:buNone/>
+                      </a:pPr>
+                      <a:r>
+                        <a:rPr/>
+                        <a:t>minivan</a:t>
+                      </a:r>
+                    </a:p>
+                  </a:txBody>
+                </a:tc>
+              </a:tr>
+            </a:tbl>
+          </a:graphicData>
+        </a:graphic>
+      </p:graphicFrame>
+      <p:sp>
+        <p:nvSpPr>
+          <p:cNvPr id="1" name="TextBox 3"/>
+          <p:cNvSpPr txBox="1"/>
+          <p:nvPr/>
+        </p:nvSpPr>
+        <p:spPr>
+          <a:xfrm>
+            <a:off x="457200" y="5613400"/>
+            <a:ext cx="8229600" cy="508000"/>
+          </a:xfrm>
+          <a:prstGeom prst="rect">
+            <a:avLst/>
+          </a:prstGeom>
+          <a:noFill/>
+        </p:spPr>
+        <p:txBody>
+          <a:bodyPr/>
+          <a:lstStyle/>
+          <a:p>
+            <a:pPr lvl="0" marL="0" indent="0" algn="ctr">
               <a:buNone/>
             </a:pPr>
             <a:r>
               <a:rPr/>
-              <a:t>You can use the the Two Content layout to put material in side by side columns. To use the Two Content layout, nest two div containers of class column inside one div container of class columns.</a:t>
-            </a:r>
-          </a:p>
-        </p:txBody>
-      </p:sp>
-      <p:sp>
-        <p:nvSpPr>
-          <p:cNvPr id="4" name="Content Placeholder 3"/>
-          <p:cNvSpPr>
-            <a:spLocks noGrp="1"/>
-          </p:cNvSpPr>
-          <p:nvPr>
-            <p:ph sz="half" idx="2"/>
-          </p:nvPr>
-        </p:nvSpPr>
-        <p:spPr/>
-        <p:txBody>
-          <a:bodyPr/>
-          <a:lstStyle/>
-          <a:p>
-            <a:pPr lvl="0" marL="1270000" indent="0">
-              <a:buNone/>
-            </a:pPr>
-            <a:r>
-              <a:rPr sz="1800">
-                <a:latin typeface="Courier"/>
-              </a:rPr>
-              <a:t>:::::: {.columns}
-::: {.column}
-contents...
-:::
-::: {.column}
-contents...
-:::
-::::::</a:t>
+              <a:t>Simple</a:t>
+            </a:r>
+            <a:r>
+              <a:rPr/>
+              <a:t> </a:t>
+            </a:r>
+            <a:r>
+              <a:rPr/>
+              <a:t>table</a:t>
+            </a:r>
+            <a:r>
+              <a:rPr/>
+              <a:t> </a:t>
+            </a:r>
+            <a:r>
+              <a:rPr/>
+              <a:t>syntax</a:t>
+            </a:r>
+            <a:r>
+              <a:rPr/>
+              <a:t> </a:t>
+            </a:r>
+            <a:r>
+              <a:rPr/>
+              <a:t>and</a:t>
+            </a:r>
+            <a:r>
+              <a:rPr/>
+              <a:t> </a:t>
+            </a:r>
+            <a:r>
+              <a:rPr/>
+              <a:t>caption.</a:t>
             </a:r>
           </a:p>
         </p:txBody>
@@ -4297,6 +4583,112 @@
             </a:pPr>
             <a:r>
               <a:rPr/>
+              <a:t>Columns</a:t>
+            </a:r>
+          </a:p>
+        </p:txBody>
+      </p:sp>
+      <p:sp>
+        <p:nvSpPr>
+          <p:cNvPr id="3" name="Content Placeholder 2"/>
+          <p:cNvSpPr>
+            <a:spLocks noGrp="1"/>
+          </p:cNvSpPr>
+          <p:nvPr>
+            <p:ph sz="half" idx="1"/>
+          </p:nvPr>
+        </p:nvSpPr>
+        <p:spPr/>
+        <p:txBody>
+          <a:bodyPr/>
+          <a:lstStyle/>
+          <a:p>
+            <a:pPr lvl="0" marL="0" indent="0">
+              <a:buNone/>
+            </a:pPr>
+            <a:r>
+              <a:rPr/>
+              <a:t>You can use the the Two Content layout to put material in side by side columns. To use the Two Content layout, nest two div containers of class column inside one div container of class columns.</a:t>
+            </a:r>
+          </a:p>
+        </p:txBody>
+      </p:sp>
+      <p:sp>
+        <p:nvSpPr>
+          <p:cNvPr id="4" name="Content Placeholder 3"/>
+          <p:cNvSpPr>
+            <a:spLocks noGrp="1"/>
+          </p:cNvSpPr>
+          <p:nvPr>
+            <p:ph sz="half" idx="2"/>
+          </p:nvPr>
+        </p:nvSpPr>
+        <p:spPr/>
+        <p:txBody>
+          <a:bodyPr/>
+          <a:lstStyle/>
+          <a:p>
+            <a:pPr lvl="0" marL="1270000" indent="0">
+              <a:buNone/>
+            </a:pPr>
+            <a:r>
+              <a:rPr sz="1800">
+                <a:latin typeface="Courier"/>
+              </a:rPr>
+              <a:t>:::::: {.columns}
+::: {.column}
+contents...
+:::
+::: {.column}
+contents...
+:::
+::::::</a:t>
+            </a:r>
+          </a:p>
+        </p:txBody>
+      </p:sp>
+    </p:spTree>
+  </p:cSld>
+</p:sld>
+</file>
+
+<file path=ppt/slides/slide15.xml><?xml version="1.0" encoding="utf-8"?>
+<p:sld xmlns:a="http://schemas.openxmlformats.org/drawingml/2006/main" xmlns:r="http://schemas.openxmlformats.org/officeDocument/2006/relationships" xmlns:p="http://schemas.openxmlformats.org/presentationml/2006/main">
+  <p:cSld>
+    <p:spTree>
+      <p:nvGrpSpPr>
+        <p:cNvPr id="1" name=""/>
+        <p:cNvGrpSpPr/>
+        <p:nvPr/>
+      </p:nvGrpSpPr>
+      <p:grpSpPr>
+        <a:xfrm>
+          <a:off x="0" y="0"/>
+          <a:ext cx="0" cy="0"/>
+          <a:chOff x="0" y="0"/>
+          <a:chExt cx="0" cy="0"/>
+        </a:xfrm>
+      </p:grpSpPr>
+      <p:sp>
+        <p:nvSpPr>
+          <p:cNvPr id="2" name="Title 1"/>
+          <p:cNvSpPr>
+            <a:spLocks noGrp="1"/>
+          </p:cNvSpPr>
+          <p:nvPr>
+            <p:ph type="title"/>
+          </p:nvPr>
+        </p:nvSpPr>
+        <p:spPr/>
+        <p:txBody>
+          <a:bodyPr/>
+          <a:lstStyle/>
+          <a:p>
+            <a:pPr lvl="0" marL="0" indent="0">
+              <a:buNone/>
+            </a:pPr>
+            <a:r>
+              <a:rPr/>
               <a:t>Speaker</a:t>
             </a:r>
             <a:r>
@@ -4357,7 +4749,7 @@
 </p:sld>
 </file>
 
-<file path=ppt/slides/slide15.xml><?xml version="1.0" encoding="utf-8"?>
+<file path=ppt/slides/slide16.xml><?xml version="1.0" encoding="utf-8"?>
 <p:sld xmlns:a="http://schemas.openxmlformats.org/drawingml/2006/main" xmlns:r="http://schemas.openxmlformats.org/officeDocument/2006/relationships" xmlns:p="http://schemas.openxmlformats.org/presentationml/2006/main">
   <p:cSld>
     <p:spTree>
@@ -5176,14 +5568,14 @@
             </a:r>
             <a:r>
               <a:rPr/>
-              <a:t>file</a:t>
+              <a:t>web</a:t>
             </a:r>
           </a:p>
         </p:txBody>
       </p:sp>
       <p:pic>
         <p:nvPicPr>
-          <p:cNvPr descr="r4ds.png" id="0" name="Picture 1"/>
+          <p:cNvPr descr="https://www.rstudio.com/wp-content/uploads/2014/07/RStudio-Logo-Blue-Gray.png" id="0" name="Picture 1"/>
           <p:cNvPicPr>
             <a:picLocks noGrp="1" noChangeAspect="1"/>
           </p:cNvPicPr>
@@ -5197,8 +5589,8 @@
         </p:blipFill>
         <p:spPr bwMode="auto">
           <a:xfrm>
-            <a:off x="3060700" y="1600200"/>
-            <a:ext cx="3009900" cy="4521200"/>
+            <a:off x="457200" y="2413000"/>
+            <a:ext cx="8229600" cy="2882900"/>
           </a:xfrm>
           <a:prstGeom prst="rect">
             <a:avLst/>
@@ -5269,14 +5661,14 @@
             </a:r>
             <a:r>
               <a:rPr/>
-              <a:t>web</a:t>
+              <a:t>file</a:t>
             </a:r>
           </a:p>
         </p:txBody>
       </p:sp>
       <p:pic>
         <p:nvPicPr>
-          <p:cNvPr descr="https://www.rstudio.com/wp-content/uploads/2014/07/RStudio-Logo-Blue-Gray.png" id="0" name="Picture 1"/>
+          <p:cNvPr descr="r4ds.png" id="0" name="Picture 1"/>
           <p:cNvPicPr>
             <a:picLocks noGrp="1" noChangeAspect="1"/>
           </p:cNvPicPr>
@@ -5290,8 +5682,8 @@
         </p:blipFill>
         <p:spPr bwMode="auto">
           <a:xfrm>
-            <a:off x="457200" y="2413000"/>
-            <a:ext cx="8229600" cy="2882900"/>
+            <a:off x="3060700" y="1600200"/>
+            <a:ext cx="3009900" cy="4521200"/>
           </a:xfrm>
           <a:prstGeom prst="rect">
             <a:avLst/>
